--- a/ppt/0320_2조_나현희_신원철.pptx
+++ b/ppt/0320_2조_나현희_신원철.pptx
@@ -1691,7 +1691,7 @@
             </a:r>
             <a:r>
               <a:rPr lang="en-US" altLang="ko-KR" dirty="0"/>
-              <a:t>test</a:t>
+              <a:t>text</a:t>
             </a:r>
             <a:r>
               <a:rPr lang="ko-KR" altLang="en-US" dirty="0"/>

--- a/ppt/0320_2조_나현희_신원철.pptx
+++ b/ppt/0320_2조_나현희_신원철.pptx
@@ -962,7 +962,7 @@
             <a:fld id="{01015650-063C-455C-8B59-3D8A2C6803D6}" type="datetimeFigureOut">
               <a:rPr lang="ko-KR" altLang="en-US" smtClean="0"/>
               <a:pPr/>
-              <a:t>2023-03-19</a:t>
+              <a:t>2023-03-23</a:t>
             </a:fld>
             <a:endParaRPr lang="ko-KR" altLang="en-US"/>
           </a:p>
@@ -2788,7 +2788,7 @@
             <a:fld id="{7C350D00-E9DF-4C32-8EF9-982D014E2409}" type="datetimeFigureOut">
               <a:rPr lang="ko-KR" altLang="en-US" smtClean="0"/>
               <a:pPr/>
-              <a:t>2023-03-19</a:t>
+              <a:t>2023-03-23</a:t>
             </a:fld>
             <a:endParaRPr lang="ko-KR" altLang="en-US"/>
           </a:p>
@@ -2953,7 +2953,7 @@
             <a:fld id="{7C350D00-E9DF-4C32-8EF9-982D014E2409}" type="datetimeFigureOut">
               <a:rPr lang="ko-KR" altLang="en-US" smtClean="0"/>
               <a:pPr/>
-              <a:t>2023-03-19</a:t>
+              <a:t>2023-03-23</a:t>
             </a:fld>
             <a:endParaRPr lang="ko-KR" altLang="en-US"/>
           </a:p>
@@ -3128,7 +3128,7 @@
             <a:fld id="{7C350D00-E9DF-4C32-8EF9-982D014E2409}" type="datetimeFigureOut">
               <a:rPr lang="ko-KR" altLang="en-US" smtClean="0"/>
               <a:pPr/>
-              <a:t>2023-03-19</a:t>
+              <a:t>2023-03-23</a:t>
             </a:fld>
             <a:endParaRPr lang="ko-KR" altLang="en-US"/>
           </a:p>
@@ -3293,7 +3293,7 @@
             <a:fld id="{7C350D00-E9DF-4C32-8EF9-982D014E2409}" type="datetimeFigureOut">
               <a:rPr lang="ko-KR" altLang="en-US" smtClean="0"/>
               <a:pPr/>
-              <a:t>2023-03-19</a:t>
+              <a:t>2023-03-23</a:t>
             </a:fld>
             <a:endParaRPr lang="ko-KR" altLang="en-US"/>
           </a:p>
@@ -3535,7 +3535,7 @@
             <a:fld id="{7C350D00-E9DF-4C32-8EF9-982D014E2409}" type="datetimeFigureOut">
               <a:rPr lang="ko-KR" altLang="en-US" smtClean="0"/>
               <a:pPr/>
-              <a:t>2023-03-19</a:t>
+              <a:t>2023-03-23</a:t>
             </a:fld>
             <a:endParaRPr lang="ko-KR" altLang="en-US"/>
           </a:p>
@@ -3817,7 +3817,7 @@
             <a:fld id="{7C350D00-E9DF-4C32-8EF9-982D014E2409}" type="datetimeFigureOut">
               <a:rPr lang="ko-KR" altLang="en-US" smtClean="0"/>
               <a:pPr/>
-              <a:t>2023-03-19</a:t>
+              <a:t>2023-03-23</a:t>
             </a:fld>
             <a:endParaRPr lang="ko-KR" altLang="en-US"/>
           </a:p>
@@ -4238,7 +4238,7 @@
             <a:fld id="{7C350D00-E9DF-4C32-8EF9-982D014E2409}" type="datetimeFigureOut">
               <a:rPr lang="ko-KR" altLang="en-US" smtClean="0"/>
               <a:pPr/>
-              <a:t>2023-03-19</a:t>
+              <a:t>2023-03-23</a:t>
             </a:fld>
             <a:endParaRPr lang="ko-KR" altLang="en-US"/>
           </a:p>
@@ -4352,7 +4352,7 @@
             <a:fld id="{7C350D00-E9DF-4C32-8EF9-982D014E2409}" type="datetimeFigureOut">
               <a:rPr lang="ko-KR" altLang="en-US" smtClean="0"/>
               <a:pPr/>
-              <a:t>2023-03-19</a:t>
+              <a:t>2023-03-23</a:t>
             </a:fld>
             <a:endParaRPr lang="ko-KR" altLang="en-US"/>
           </a:p>
@@ -4444,7 +4444,7 @@
             <a:fld id="{7C350D00-E9DF-4C32-8EF9-982D014E2409}" type="datetimeFigureOut">
               <a:rPr lang="ko-KR" altLang="en-US" smtClean="0"/>
               <a:pPr/>
-              <a:t>2023-03-19</a:t>
+              <a:t>2023-03-23</a:t>
             </a:fld>
             <a:endParaRPr lang="ko-KR" altLang="en-US"/>
           </a:p>
@@ -4716,7 +4716,7 @@
             <a:fld id="{7C350D00-E9DF-4C32-8EF9-982D014E2409}" type="datetimeFigureOut">
               <a:rPr lang="ko-KR" altLang="en-US" smtClean="0"/>
               <a:pPr/>
-              <a:t>2023-03-19</a:t>
+              <a:t>2023-03-23</a:t>
             </a:fld>
             <a:endParaRPr lang="ko-KR" altLang="en-US"/>
           </a:p>
@@ -4965,7 +4965,7 @@
             <a:fld id="{7C350D00-E9DF-4C32-8EF9-982D014E2409}" type="datetimeFigureOut">
               <a:rPr lang="ko-KR" altLang="en-US" smtClean="0"/>
               <a:pPr/>
-              <a:t>2023-03-19</a:t>
+              <a:t>2023-03-23</a:t>
             </a:fld>
             <a:endParaRPr lang="ko-KR" altLang="en-US"/>
           </a:p>
@@ -5173,7 +5173,7 @@
             <a:fld id="{7C350D00-E9DF-4C32-8EF9-982D014E2409}" type="datetimeFigureOut">
               <a:rPr lang="ko-KR" altLang="en-US" smtClean="0"/>
               <a:pPr/>
-              <a:t>2023-03-19</a:t>
+              <a:t>2023-03-23</a:t>
             </a:fld>
             <a:endParaRPr lang="ko-KR" altLang="en-US"/>
           </a:p>
